--- a/information/画图.pptx
+++ b/information/画图.pptx
@@ -259,7 +259,7 @@
           <a:p>
             <a:fld id="{420923DE-B96B-4C0D-89C0-F712EC14E198}" type="datetimeFigureOut">
               <a:rPr lang="zh-CN" altLang="en-US" smtClean="0"/>
-              <a:t>2025/04/20</a:t>
+              <a:t>2025/04/21</a:t>
             </a:fld>
             <a:endParaRPr lang="zh-CN" altLang="en-US"/>
           </a:p>
@@ -457,7 +457,7 @@
           <a:p>
             <a:fld id="{420923DE-B96B-4C0D-89C0-F712EC14E198}" type="datetimeFigureOut">
               <a:rPr lang="zh-CN" altLang="en-US" smtClean="0"/>
-              <a:t>2025/04/20</a:t>
+              <a:t>2025/04/21</a:t>
             </a:fld>
             <a:endParaRPr lang="zh-CN" altLang="en-US"/>
           </a:p>
@@ -665,7 +665,7 @@
           <a:p>
             <a:fld id="{420923DE-B96B-4C0D-89C0-F712EC14E198}" type="datetimeFigureOut">
               <a:rPr lang="zh-CN" altLang="en-US" smtClean="0"/>
-              <a:t>2025/04/20</a:t>
+              <a:t>2025/04/21</a:t>
             </a:fld>
             <a:endParaRPr lang="zh-CN" altLang="en-US"/>
           </a:p>
@@ -863,7 +863,7 @@
           <a:p>
             <a:fld id="{420923DE-B96B-4C0D-89C0-F712EC14E198}" type="datetimeFigureOut">
               <a:rPr lang="zh-CN" altLang="en-US" smtClean="0"/>
-              <a:t>2025/04/20</a:t>
+              <a:t>2025/04/21</a:t>
             </a:fld>
             <a:endParaRPr lang="zh-CN" altLang="en-US"/>
           </a:p>
@@ -1138,7 +1138,7 @@
           <a:p>
             <a:fld id="{420923DE-B96B-4C0D-89C0-F712EC14E198}" type="datetimeFigureOut">
               <a:rPr lang="zh-CN" altLang="en-US" smtClean="0"/>
-              <a:t>2025/04/20</a:t>
+              <a:t>2025/04/21</a:t>
             </a:fld>
             <a:endParaRPr lang="zh-CN" altLang="en-US"/>
           </a:p>
@@ -1403,7 +1403,7 @@
           <a:p>
             <a:fld id="{420923DE-B96B-4C0D-89C0-F712EC14E198}" type="datetimeFigureOut">
               <a:rPr lang="zh-CN" altLang="en-US" smtClean="0"/>
-              <a:t>2025/04/20</a:t>
+              <a:t>2025/04/21</a:t>
             </a:fld>
             <a:endParaRPr lang="zh-CN" altLang="en-US"/>
           </a:p>
@@ -1815,7 +1815,7 @@
           <a:p>
             <a:fld id="{420923DE-B96B-4C0D-89C0-F712EC14E198}" type="datetimeFigureOut">
               <a:rPr lang="zh-CN" altLang="en-US" smtClean="0"/>
-              <a:t>2025/04/20</a:t>
+              <a:t>2025/04/21</a:t>
             </a:fld>
             <a:endParaRPr lang="zh-CN" altLang="en-US"/>
           </a:p>
@@ -1956,7 +1956,7 @@
           <a:p>
             <a:fld id="{420923DE-B96B-4C0D-89C0-F712EC14E198}" type="datetimeFigureOut">
               <a:rPr lang="zh-CN" altLang="en-US" smtClean="0"/>
-              <a:t>2025/04/20</a:t>
+              <a:t>2025/04/21</a:t>
             </a:fld>
             <a:endParaRPr lang="zh-CN" altLang="en-US"/>
           </a:p>
@@ -2069,7 +2069,7 @@
           <a:p>
             <a:fld id="{420923DE-B96B-4C0D-89C0-F712EC14E198}" type="datetimeFigureOut">
               <a:rPr lang="zh-CN" altLang="en-US" smtClean="0"/>
-              <a:t>2025/04/20</a:t>
+              <a:t>2025/04/21</a:t>
             </a:fld>
             <a:endParaRPr lang="zh-CN" altLang="en-US"/>
           </a:p>
@@ -2380,7 +2380,7 @@
           <a:p>
             <a:fld id="{420923DE-B96B-4C0D-89C0-F712EC14E198}" type="datetimeFigureOut">
               <a:rPr lang="zh-CN" altLang="en-US" smtClean="0"/>
-              <a:t>2025/04/20</a:t>
+              <a:t>2025/04/21</a:t>
             </a:fld>
             <a:endParaRPr lang="zh-CN" altLang="en-US"/>
           </a:p>
@@ -2668,7 +2668,7 @@
           <a:p>
             <a:fld id="{420923DE-B96B-4C0D-89C0-F712EC14E198}" type="datetimeFigureOut">
               <a:rPr lang="zh-CN" altLang="en-US" smtClean="0"/>
-              <a:t>2025/04/20</a:t>
+              <a:t>2025/04/21</a:t>
             </a:fld>
             <a:endParaRPr lang="zh-CN" altLang="en-US"/>
           </a:p>
@@ -2909,7 +2909,7 @@
           <a:p>
             <a:fld id="{420923DE-B96B-4C0D-89C0-F712EC14E198}" type="datetimeFigureOut">
               <a:rPr lang="zh-CN" altLang="en-US" smtClean="0"/>
-              <a:t>2025/04/20</a:t>
+              <a:t>2025/04/21</a:t>
             </a:fld>
             <a:endParaRPr lang="zh-CN" altLang="en-US"/>
           </a:p>
@@ -3442,15 +3442,15 @@
             <a:p>
               <a:pPr algn="ctr"/>
               <a:r>
-                <a:rPr lang="zh-CN" altLang="en-US" sz="2800" b="1">
-                  <a:latin typeface="楷体" panose="02010609060101010101" pitchFamily="49" charset="-122"/>
-                  <a:ea typeface="楷体" panose="02010609060101010101" pitchFamily="49" charset="-122"/>
+                <a:rPr lang="zh-CN" altLang="en-US" sz="2400">
+                  <a:latin typeface="微软雅黑" panose="020B0503020204020204" pitchFamily="34" charset="-122"/>
+                  <a:ea typeface="微软雅黑" panose="020B0503020204020204" pitchFamily="34" charset="-122"/>
                 </a:rPr>
-                <a:t>天津大学多媒体实验</a:t>
+                <a:t>天津大学多媒体实验室</a:t>
               </a:r>
-              <a:endParaRPr lang="zh-CN" altLang="en-US" sz="2000" b="1">
-                <a:latin typeface="楷体" panose="02010609060101010101" pitchFamily="49" charset="-122"/>
-                <a:ea typeface="楷体" panose="02010609060101010101" pitchFamily="49" charset="-122"/>
+              <a:endParaRPr lang="zh-CN" altLang="en-US">
+                <a:latin typeface="微软雅黑" panose="020B0503020204020204" pitchFamily="34" charset="-122"/>
+                <a:ea typeface="微软雅黑" panose="020B0503020204020204" pitchFamily="34" charset="-122"/>
               </a:endParaRPr>
             </a:p>
           </p:txBody>

--- a/information/画图.pptx
+++ b/information/画图.pptx
@@ -259,7 +259,7 @@
           <a:p>
             <a:fld id="{420923DE-B96B-4C0D-89C0-F712EC14E198}" type="datetimeFigureOut">
               <a:rPr lang="zh-CN" altLang="en-US" smtClean="0"/>
-              <a:t>2025/04/21</a:t>
+              <a:t>2025/04/28</a:t>
             </a:fld>
             <a:endParaRPr lang="zh-CN" altLang="en-US"/>
           </a:p>
@@ -457,7 +457,7 @@
           <a:p>
             <a:fld id="{420923DE-B96B-4C0D-89C0-F712EC14E198}" type="datetimeFigureOut">
               <a:rPr lang="zh-CN" altLang="en-US" smtClean="0"/>
-              <a:t>2025/04/21</a:t>
+              <a:t>2025/04/28</a:t>
             </a:fld>
             <a:endParaRPr lang="zh-CN" altLang="en-US"/>
           </a:p>
@@ -665,7 +665,7 @@
           <a:p>
             <a:fld id="{420923DE-B96B-4C0D-89C0-F712EC14E198}" type="datetimeFigureOut">
               <a:rPr lang="zh-CN" altLang="en-US" smtClean="0"/>
-              <a:t>2025/04/21</a:t>
+              <a:t>2025/04/28</a:t>
             </a:fld>
             <a:endParaRPr lang="zh-CN" altLang="en-US"/>
           </a:p>
@@ -863,7 +863,7 @@
           <a:p>
             <a:fld id="{420923DE-B96B-4C0D-89C0-F712EC14E198}" type="datetimeFigureOut">
               <a:rPr lang="zh-CN" altLang="en-US" smtClean="0"/>
-              <a:t>2025/04/21</a:t>
+              <a:t>2025/04/28</a:t>
             </a:fld>
             <a:endParaRPr lang="zh-CN" altLang="en-US"/>
           </a:p>
@@ -1138,7 +1138,7 @@
           <a:p>
             <a:fld id="{420923DE-B96B-4C0D-89C0-F712EC14E198}" type="datetimeFigureOut">
               <a:rPr lang="zh-CN" altLang="en-US" smtClean="0"/>
-              <a:t>2025/04/21</a:t>
+              <a:t>2025/04/28</a:t>
             </a:fld>
             <a:endParaRPr lang="zh-CN" altLang="en-US"/>
           </a:p>
@@ -1403,7 +1403,7 @@
           <a:p>
             <a:fld id="{420923DE-B96B-4C0D-89C0-F712EC14E198}" type="datetimeFigureOut">
               <a:rPr lang="zh-CN" altLang="en-US" smtClean="0"/>
-              <a:t>2025/04/21</a:t>
+              <a:t>2025/04/28</a:t>
             </a:fld>
             <a:endParaRPr lang="zh-CN" altLang="en-US"/>
           </a:p>
@@ -1815,7 +1815,7 @@
           <a:p>
             <a:fld id="{420923DE-B96B-4C0D-89C0-F712EC14E198}" type="datetimeFigureOut">
               <a:rPr lang="zh-CN" altLang="en-US" smtClean="0"/>
-              <a:t>2025/04/21</a:t>
+              <a:t>2025/04/28</a:t>
             </a:fld>
             <a:endParaRPr lang="zh-CN" altLang="en-US"/>
           </a:p>
@@ -1956,7 +1956,7 @@
           <a:p>
             <a:fld id="{420923DE-B96B-4C0D-89C0-F712EC14E198}" type="datetimeFigureOut">
               <a:rPr lang="zh-CN" altLang="en-US" smtClean="0"/>
-              <a:t>2025/04/21</a:t>
+              <a:t>2025/04/28</a:t>
             </a:fld>
             <a:endParaRPr lang="zh-CN" altLang="en-US"/>
           </a:p>
@@ -2069,7 +2069,7 @@
           <a:p>
             <a:fld id="{420923DE-B96B-4C0D-89C0-F712EC14E198}" type="datetimeFigureOut">
               <a:rPr lang="zh-CN" altLang="en-US" smtClean="0"/>
-              <a:t>2025/04/21</a:t>
+              <a:t>2025/04/28</a:t>
             </a:fld>
             <a:endParaRPr lang="zh-CN" altLang="en-US"/>
           </a:p>
@@ -2380,7 +2380,7 @@
           <a:p>
             <a:fld id="{420923DE-B96B-4C0D-89C0-F712EC14E198}" type="datetimeFigureOut">
               <a:rPr lang="zh-CN" altLang="en-US" smtClean="0"/>
-              <a:t>2025/04/21</a:t>
+              <a:t>2025/04/28</a:t>
             </a:fld>
             <a:endParaRPr lang="zh-CN" altLang="en-US"/>
           </a:p>
@@ -2668,7 +2668,7 @@
           <a:p>
             <a:fld id="{420923DE-B96B-4C0D-89C0-F712EC14E198}" type="datetimeFigureOut">
               <a:rPr lang="zh-CN" altLang="en-US" smtClean="0"/>
-              <a:t>2025/04/21</a:t>
+              <a:t>2025/04/28</a:t>
             </a:fld>
             <a:endParaRPr lang="zh-CN" altLang="en-US"/>
           </a:p>
@@ -2909,7 +2909,7 @@
           <a:p>
             <a:fld id="{420923DE-B96B-4C0D-89C0-F712EC14E198}" type="datetimeFigureOut">
               <a:rPr lang="zh-CN" altLang="en-US" smtClean="0"/>
-              <a:t>2025/04/21</a:t>
+              <a:t>2025/04/28</a:t>
             </a:fld>
             <a:endParaRPr lang="zh-CN" altLang="en-US"/>
           </a:p>
@@ -3446,7 +3446,7 @@
                   <a:latin typeface="微软雅黑" panose="020B0503020204020204" pitchFamily="34" charset="-122"/>
                   <a:ea typeface="微软雅黑" panose="020B0503020204020204" pitchFamily="34" charset="-122"/>
                 </a:rPr>
-                <a:t>天津大学多媒体实验室</a:t>
+                <a:t>天津大学多媒体组</a:t>
               </a:r>
               <a:endParaRPr lang="zh-CN" altLang="en-US">
                 <a:latin typeface="微软雅黑" panose="020B0503020204020204" pitchFamily="34" charset="-122"/>
